--- a/powerpoint files/Session1.pptx
+++ b/powerpoint files/Session1.pptx
@@ -130,6 +130,11 @@
       </a:defRPr>
     </a:lvl9pPr>
   </p:defaultTextStyle>
+  <p:extLst>
+    <p:ext uri="{EFAFB233-063F-42B5-8137-9DF3F51BA10A}">
+      <p15:sldGuideLst xmlns:p15="http://schemas.microsoft.com/office/powerpoint/2012/main"/>
+    </p:ext>
+  </p:extLst>
 </p:presentation>
 </file>
 
@@ -10049,14 +10054,14 @@
               </a:tabLst>
             </a:pPr>
             <a:r>
-              <a:rPr lang="en-US" sz="3200" b="0" strike="noStrike" spc="-1">
+              <a:rPr lang="en-US" sz="3200" b="0" strike="noStrike" spc="-1" dirty="0" err="1">
                 <a:solidFill>
                   <a:srgbClr val="8B8B8B"/>
                 </a:solidFill>
                 <a:latin typeface="Calibri"/>
                 <a:ea typeface="DejaVu Sans"/>
               </a:rPr>
-              <a:t>Trinity </a:t>
+              <a:t>Michaelmas</a:t>
             </a:r>
             <a:r>
               <a:rPr lang="en-US" sz="3200" b="0" strike="noStrike" spc="-1" dirty="0">
@@ -10066,7 +10071,7 @@
                 <a:latin typeface="Calibri"/>
                 <a:ea typeface="DejaVu Sans"/>
               </a:rPr>
-              <a:t>2022</a:t>
+              <a:t> 2022</a:t>
             </a:r>
             <a:endParaRPr lang="en-GB" sz="3200" b="0" strike="noStrike" spc="-1" dirty="0">
               <a:latin typeface="Arial"/>
@@ -16979,31 +16984,7 @@
                 <a:ea typeface="DejaVu Sans"/>
                 <a:hlinkClick r:id="rId5"/>
               </a:rPr>
-              <a:t>The </a:t>
-            </a:r>
-            <a:r>
-              <a:rPr lang="en-GB" sz="2150" b="0" u="sng" strike="noStrike" spc="-1">
-                <a:solidFill>
-                  <a:srgbClr val="0000FF"/>
-                </a:solidFill>
-                <a:uFillTx/>
-                <a:latin typeface="Calibri"/>
-                <a:ea typeface="DejaVu Sans"/>
-                <a:hlinkClick r:id="rId5"/>
-              </a:rPr>
-              <a:t>data.table</a:t>
-            </a:r>
-            <a:r>
-              <a:rPr lang="en-GB" sz="2150" b="0" u="sng" strike="noStrike" spc="-1">
-                <a:solidFill>
-                  <a:srgbClr val="0000FF"/>
-                </a:solidFill>
-                <a:uFillTx/>
-                <a:latin typeface="Calibri"/>
-                <a:ea typeface="DejaVu Sans"/>
-                <a:hlinkClick r:id="rId5"/>
-              </a:rPr>
-              <a:t> package</a:t>
+              <a:t>The data.table package</a:t>
             </a:r>
             <a:r>
               <a:rPr lang="en-GB" sz="2150" b="0" strike="noStrike" spc="-1">
@@ -17043,55 +17024,7 @@
                 <a:ea typeface="DejaVu Sans"/>
                 <a:hlinkClick r:id="rId6"/>
               </a:rPr>
-              <a:t>A </a:t>
-            </a:r>
-            <a:r>
-              <a:rPr lang="en-GB" sz="2150" b="0" u="sng" strike="noStrike" spc="-1">
-                <a:solidFill>
-                  <a:srgbClr val="0000FF"/>
-                </a:solidFill>
-                <a:uFillTx/>
-                <a:latin typeface="Calibri"/>
-                <a:ea typeface="DejaVu Sans"/>
-                <a:hlinkClick r:id="rId6"/>
-              </a:rPr>
-              <a:t>data.table</a:t>
-            </a:r>
-            <a:r>
-              <a:rPr lang="en-GB" sz="2150" b="0" u="sng" strike="noStrike" spc="-1">
-                <a:solidFill>
-                  <a:srgbClr val="0000FF"/>
-                </a:solidFill>
-                <a:uFillTx/>
-                <a:latin typeface="Calibri"/>
-                <a:ea typeface="DejaVu Sans"/>
-                <a:hlinkClick r:id="rId6"/>
-              </a:rPr>
-              <a:t> and </a:t>
-            </a:r>
-            <a:r>
-              <a:rPr lang="en-GB" sz="2150" b="0" u="sng" strike="noStrike" spc="-1">
-                <a:solidFill>
-                  <a:srgbClr val="0000FF"/>
-                </a:solidFill>
-                <a:uFillTx/>
-                <a:latin typeface="Calibri"/>
-                <a:ea typeface="DejaVu Sans"/>
-                <a:hlinkClick r:id="rId6"/>
-              </a:rPr>
-              <a:t>Dplyr</a:t>
-            </a:r>
-            <a:r>
-              <a:rPr lang="en-GB" sz="2150" b="0" u="sng" strike="noStrike" spc="-1">
-                <a:solidFill>
-                  <a:srgbClr val="0000FF"/>
-                </a:solidFill>
-                <a:uFillTx/>
-                <a:latin typeface="Calibri"/>
-                <a:ea typeface="DejaVu Sans"/>
-                <a:hlinkClick r:id="rId6"/>
-              </a:rPr>
-              <a:t> tour</a:t>
+              <a:t>A data.table and Dplyr tour</a:t>
             </a:r>
             <a:r>
               <a:rPr lang="en-GB" sz="2150" b="0" strike="noStrike" spc="-1">
